--- a/TD/TD1_DynaPops.pptx
+++ b/TD/TD1_DynaPops.pptx
@@ -30883,7 +30883,7 @@
           <a:graphicData uri="http://schemas.openxmlformats.org/presentationml/2006/ole">
             <mc:AlternateContent xmlns:mc="http://schemas.openxmlformats.org/markup-compatibility/2006">
               <mc:Choice xmlns:v="urn:schemas-microsoft-com:vml" Requires="v">
-                <p:oleObj spid="_x0000_s6180" name="Image Bitmap" r:id="rId4" imgW="1428949" imgH="1000000" progId="Paint.Picture">
+                <p:oleObj spid="_x0000_s6182" name="Image Bitmap" r:id="rId4" imgW="1428949" imgH="1000000" progId="Paint.Picture">
                   <p:embed/>
                 </p:oleObj>
               </mc:Choice>
@@ -31606,11 +31606,11 @@
           <a:lstStyle/>
           <a:p>
             <a:r>
-              <a:rPr lang="fr-FR" altLang="fr-FR" smtClean="0">
+              <a:rPr lang="fr-FR" altLang="fr-FR" dirty="0" smtClean="0">
                 <a:solidFill>
                   <a:schemeClr val="accent2"/>
                 </a:solidFill>
-                <a:latin typeface="Comic Sans MS" panose="030F0702030302020204" pitchFamily="66" charset="0"/>
+                <a:latin typeface="+mn-lt"/>
               </a:rPr>
               <a:t>Les étapes de la modélisation</a:t>
             </a:r>
@@ -31658,62 +31658,50 @@
           <a:lstStyle/>
           <a:p>
             <a:r>
-              <a:rPr lang="fr-FR" altLang="fr-FR" smtClean="0">
+              <a:rPr lang="fr-FR" altLang="fr-FR" dirty="0" smtClean="0">
                 <a:solidFill>
                   <a:srgbClr val="A50021"/>
                 </a:solidFill>
-                <a:latin typeface="Comic Sans MS" panose="030F0702030302020204" pitchFamily="66" charset="0"/>
               </a:rPr>
               <a:t>Ajustement </a:t>
             </a:r>
             <a:r>
-              <a:rPr lang="fr-FR" altLang="fr-FR" smtClean="0">
+              <a:rPr lang="fr-FR" altLang="fr-FR" dirty="0" smtClean="0">
                 <a:solidFill>
                   <a:srgbClr val="C00000"/>
                 </a:solidFill>
-                <a:latin typeface="Comic Sans MS" panose="030F0702030302020204" pitchFamily="66" charset="0"/>
               </a:rPr>
               <a:t>: </a:t>
             </a:r>
             <a:r>
-              <a:rPr lang="fr-FR" altLang="fr-FR" smtClean="0">
+              <a:rPr lang="fr-FR" altLang="fr-FR" dirty="0" smtClean="0">
                 <a:solidFill>
                   <a:srgbClr val="000099"/>
                 </a:solidFill>
-                <a:latin typeface="Comic Sans MS" panose="030F0702030302020204" pitchFamily="66" charset="0"/>
               </a:rPr>
               <a:t>trouver les bons paramètres </a:t>
             </a:r>
           </a:p>
           <a:p>
-            <a:endParaRPr lang="fr-FR" altLang="fr-FR" smtClean="0">
-              <a:latin typeface="Comic Sans MS" panose="030F0702030302020204" pitchFamily="66" charset="0"/>
-            </a:endParaRPr>
-          </a:p>
-          <a:p>
-            <a:r>
-              <a:rPr lang="fr-FR" altLang="fr-FR" smtClean="0">
+            <a:endParaRPr lang="fr-FR" altLang="fr-FR" dirty="0" smtClean="0"/>
+          </a:p>
+          <a:p>
+            <a:r>
+              <a:rPr lang="fr-FR" altLang="fr-FR" dirty="0" smtClean="0">
                 <a:solidFill>
                   <a:srgbClr val="A50021"/>
                 </a:solidFill>
-                <a:latin typeface="Comic Sans MS" panose="030F0702030302020204" pitchFamily="66" charset="0"/>
               </a:rPr>
               <a:t>Validation : </a:t>
             </a:r>
             <a:r>
-              <a:rPr lang="fr-FR" altLang="fr-FR" smtClean="0">
+              <a:rPr lang="fr-FR" altLang="fr-FR" dirty="0" smtClean="0">
                 <a:solidFill>
                   <a:srgbClr val="000099"/>
                 </a:solidFill>
-                <a:latin typeface="Comic Sans MS" panose="030F0702030302020204" pitchFamily="66" charset="0"/>
               </a:rPr>
               <a:t>Calculer la pertinence par rapport à la réalité </a:t>
             </a:r>
-            <a:endParaRPr lang="fr-FR" altLang="fr-FR" smtClean="0">
-              <a:solidFill>
-                <a:srgbClr val="000099"/>
-              </a:solidFill>
-            </a:endParaRPr>
           </a:p>
         </p:txBody>
       </p:sp>
